--- a/One/PowerPoint/Findings and Next Steps.pptx
+++ b/One/PowerPoint/Findings and Next Steps.pptx
@@ -125,6 +125,612 @@
 <file path=ppt/changesInfos/changesInfo1.xml><?xml version="1.0" encoding="utf-8"?>
 <pc:chgInfo xmlns:a="http://schemas.openxmlformats.org/drawingml/2006/main" xmlns:r="http://schemas.openxmlformats.org/officeDocument/2006/relationships" xmlns:ac="http://schemas.microsoft.com/office/drawing/2013/main/command" xmlns:pc="http://schemas.microsoft.com/office/powerpoint/2013/main/command">
   <pc:docChgLst>
+    <pc:chgData name="Connor Boots" userId="2614b75d018d783e" providerId="LiveId" clId="{045973B9-6246-7D49-A1A0-486CAD0F783C}"/>
+    <pc:docChg chg="undo redo custSel addSld delSld modSld sldOrd">
+      <pc:chgData name="Connor Boots" userId="2614b75d018d783e" providerId="LiveId" clId="{045973B9-6246-7D49-A1A0-486CAD0F783C}" dt="2022-09-21T17:44:19.066" v="1645" actId="20577"/>
+      <pc:docMkLst>
+        <pc:docMk/>
+      </pc:docMkLst>
+      <pc:sldChg chg="delSp modSp mod">
+        <pc:chgData name="Connor Boots" userId="2614b75d018d783e" providerId="LiveId" clId="{045973B9-6246-7D49-A1A0-486CAD0F783C}" dt="2022-09-21T15:45:36.506" v="56"/>
+        <pc:sldMkLst>
+          <pc:docMk/>
+          <pc:sldMk cId="1859551611" sldId="256"/>
+        </pc:sldMkLst>
+        <pc:spChg chg="mod">
+          <ac:chgData name="Connor Boots" userId="2614b75d018d783e" providerId="LiveId" clId="{045973B9-6246-7D49-A1A0-486CAD0F783C}" dt="2022-09-21T15:45:36.506" v="56"/>
+          <ac:spMkLst>
+            <pc:docMk/>
+            <pc:sldMk cId="1859551611" sldId="256"/>
+            <ac:spMk id="2" creationId="{F90E410B-C944-BCEB-47CF-25C0269D7250}"/>
+          </ac:spMkLst>
+        </pc:spChg>
+        <pc:spChg chg="del mod">
+          <ac:chgData name="Connor Boots" userId="2614b75d018d783e" providerId="LiveId" clId="{045973B9-6246-7D49-A1A0-486CAD0F783C}" dt="2022-09-21T15:45:13.708" v="54" actId="478"/>
+          <ac:spMkLst>
+            <pc:docMk/>
+            <pc:sldMk cId="1859551611" sldId="256"/>
+            <ac:spMk id="3" creationId="{6A022613-9B5C-1BE9-2C35-5195A363601E}"/>
+          </ac:spMkLst>
+        </pc:spChg>
+      </pc:sldChg>
+      <pc:sldChg chg="addSp delSp modSp mod">
+        <pc:chgData name="Connor Boots" userId="2614b75d018d783e" providerId="LiveId" clId="{045973B9-6246-7D49-A1A0-486CAD0F783C}" dt="2022-09-21T17:25:19.994" v="1350" actId="20577"/>
+        <pc:sldMkLst>
+          <pc:docMk/>
+          <pc:sldMk cId="1357481033" sldId="257"/>
+        </pc:sldMkLst>
+        <pc:spChg chg="mod">
+          <ac:chgData name="Connor Boots" userId="2614b75d018d783e" providerId="LiveId" clId="{045973B9-6246-7D49-A1A0-486CAD0F783C}" dt="2022-09-21T16:03:02.538" v="65" actId="20577"/>
+          <ac:spMkLst>
+            <pc:docMk/>
+            <pc:sldMk cId="1357481033" sldId="257"/>
+            <ac:spMk id="2" creationId="{7F94C748-D80A-C414-11EA-00CAA6299998}"/>
+          </ac:spMkLst>
+        </pc:spChg>
+        <pc:spChg chg="mod">
+          <ac:chgData name="Connor Boots" userId="2614b75d018d783e" providerId="LiveId" clId="{045973B9-6246-7D49-A1A0-486CAD0F783C}" dt="2022-09-21T17:25:19.994" v="1350" actId="20577"/>
+          <ac:spMkLst>
+            <pc:docMk/>
+            <pc:sldMk cId="1357481033" sldId="257"/>
+            <ac:spMk id="3" creationId="{49594F8D-E06E-BAA3-8558-A58210398280}"/>
+          </ac:spMkLst>
+        </pc:spChg>
+        <pc:spChg chg="add del mod">
+          <ac:chgData name="Connor Boots" userId="2614b75d018d783e" providerId="LiveId" clId="{045973B9-6246-7D49-A1A0-486CAD0F783C}" dt="2022-09-21T17:17:32.896" v="1189"/>
+          <ac:spMkLst>
+            <pc:docMk/>
+            <pc:sldMk cId="1357481033" sldId="257"/>
+            <ac:spMk id="4" creationId="{F679898A-C283-AB00-D317-53638650E067}"/>
+          </ac:spMkLst>
+        </pc:spChg>
+        <pc:picChg chg="del">
+          <ac:chgData name="Connor Boots" userId="2614b75d018d783e" providerId="LiveId" clId="{045973B9-6246-7D49-A1A0-486CAD0F783C}" dt="2022-09-21T15:44:30.544" v="1" actId="478"/>
+          <ac:picMkLst>
+            <pc:docMk/>
+            <pc:sldMk cId="1357481033" sldId="257"/>
+            <ac:picMk id="5" creationId="{E09D86B6-FCCE-8D13-D5D0-987ABE4834DC}"/>
+          </ac:picMkLst>
+        </pc:picChg>
+        <pc:picChg chg="del">
+          <ac:chgData name="Connor Boots" userId="2614b75d018d783e" providerId="LiveId" clId="{045973B9-6246-7D49-A1A0-486CAD0F783C}" dt="2022-09-21T15:44:31.768" v="2" actId="478"/>
+          <ac:picMkLst>
+            <pc:docMk/>
+            <pc:sldMk cId="1357481033" sldId="257"/>
+            <ac:picMk id="6" creationId="{41A953EA-C867-4D1A-CF0A-8A640095C07D}"/>
+          </ac:picMkLst>
+        </pc:picChg>
+      </pc:sldChg>
+      <pc:sldChg chg="addSp modSp add mod ord">
+        <pc:chgData name="Connor Boots" userId="2614b75d018d783e" providerId="LiveId" clId="{045973B9-6246-7D49-A1A0-486CAD0F783C}" dt="2022-09-21T17:27:58.053" v="1400" actId="1076"/>
+        <pc:sldMkLst>
+          <pc:docMk/>
+          <pc:sldMk cId="687885192" sldId="258"/>
+        </pc:sldMkLst>
+        <pc:spChg chg="mod">
+          <ac:chgData name="Connor Boots" userId="2614b75d018d783e" providerId="LiveId" clId="{045973B9-6246-7D49-A1A0-486CAD0F783C}" dt="2022-09-21T17:27:48.049" v="1396" actId="20577"/>
+          <ac:spMkLst>
+            <pc:docMk/>
+            <pc:sldMk cId="687885192" sldId="258"/>
+            <ac:spMk id="2" creationId="{7F94C748-D80A-C414-11EA-00CAA6299998}"/>
+          </ac:spMkLst>
+        </pc:spChg>
+        <pc:spChg chg="mod">
+          <ac:chgData name="Connor Boots" userId="2614b75d018d783e" providerId="LiveId" clId="{045973B9-6246-7D49-A1A0-486CAD0F783C}" dt="2022-09-21T16:09:57.324" v="90" actId="20577"/>
+          <ac:spMkLst>
+            <pc:docMk/>
+            <pc:sldMk cId="687885192" sldId="258"/>
+            <ac:spMk id="3" creationId="{49594F8D-E06E-BAA3-8558-A58210398280}"/>
+          </ac:spMkLst>
+        </pc:spChg>
+        <pc:picChg chg="add mod">
+          <ac:chgData name="Connor Boots" userId="2614b75d018d783e" providerId="LiveId" clId="{045973B9-6246-7D49-A1A0-486CAD0F783C}" dt="2022-09-21T17:27:58.053" v="1400" actId="1076"/>
+          <ac:picMkLst>
+            <pc:docMk/>
+            <pc:sldMk cId="687885192" sldId="258"/>
+            <ac:picMk id="5" creationId="{25B8B9E9-01A6-9C95-2472-679B259B0412}"/>
+          </ac:picMkLst>
+        </pc:picChg>
+      </pc:sldChg>
+      <pc:sldChg chg="del">
+        <pc:chgData name="Connor Boots" userId="2614b75d018d783e" providerId="LiveId" clId="{045973B9-6246-7D49-A1A0-486CAD0F783C}" dt="2022-09-21T15:41:16.541" v="0" actId="2696"/>
+        <pc:sldMkLst>
+          <pc:docMk/>
+          <pc:sldMk cId="4074462836" sldId="258"/>
+        </pc:sldMkLst>
+      </pc:sldChg>
+      <pc:sldChg chg="modSp add del mod ord">
+        <pc:chgData name="Connor Boots" userId="2614b75d018d783e" providerId="LiveId" clId="{045973B9-6246-7D49-A1A0-486CAD0F783C}" dt="2022-09-21T17:17:42.616" v="1191"/>
+        <pc:sldMkLst>
+          <pc:docMk/>
+          <pc:sldMk cId="232907742" sldId="259"/>
+        </pc:sldMkLst>
+        <pc:spChg chg="mod">
+          <ac:chgData name="Connor Boots" userId="2614b75d018d783e" providerId="LiveId" clId="{045973B9-6246-7D49-A1A0-486CAD0F783C}" dt="2022-09-21T16:43:41.907" v="707" actId="20577"/>
+          <ac:spMkLst>
+            <pc:docMk/>
+            <pc:sldMk cId="232907742" sldId="259"/>
+            <ac:spMk id="2" creationId="{7F94C748-D80A-C414-11EA-00CAA6299998}"/>
+          </ac:spMkLst>
+        </pc:spChg>
+        <pc:spChg chg="mod">
+          <ac:chgData name="Connor Boots" userId="2614b75d018d783e" providerId="LiveId" clId="{045973B9-6246-7D49-A1A0-486CAD0F783C}" dt="2022-09-21T16:54:21.363" v="957" actId="20577"/>
+          <ac:spMkLst>
+            <pc:docMk/>
+            <pc:sldMk cId="232907742" sldId="259"/>
+            <ac:spMk id="3" creationId="{49594F8D-E06E-BAA3-8558-A58210398280}"/>
+          </ac:spMkLst>
+        </pc:spChg>
+      </pc:sldChg>
+      <pc:sldChg chg="del">
+        <pc:chgData name="Connor Boots" userId="2614b75d018d783e" providerId="LiveId" clId="{045973B9-6246-7D49-A1A0-486CAD0F783C}" dt="2022-09-21T15:41:16.541" v="0" actId="2696"/>
+        <pc:sldMkLst>
+          <pc:docMk/>
+          <pc:sldMk cId="2316273918" sldId="259"/>
+        </pc:sldMkLst>
+      </pc:sldChg>
+      <pc:sldChg chg="del">
+        <pc:chgData name="Connor Boots" userId="2614b75d018d783e" providerId="LiveId" clId="{045973B9-6246-7D49-A1A0-486CAD0F783C}" dt="2022-09-21T15:41:16.541" v="0" actId="2696"/>
+        <pc:sldMkLst>
+          <pc:docMk/>
+          <pc:sldMk cId="37755849" sldId="260"/>
+        </pc:sldMkLst>
+      </pc:sldChg>
+      <pc:sldChg chg="modSp add del mod">
+        <pc:chgData name="Connor Boots" userId="2614b75d018d783e" providerId="LiveId" clId="{045973B9-6246-7D49-A1A0-486CAD0F783C}" dt="2022-09-21T17:44:19.066" v="1645" actId="20577"/>
+        <pc:sldMkLst>
+          <pc:docMk/>
+          <pc:sldMk cId="1434053578" sldId="260"/>
+        </pc:sldMkLst>
+        <pc:spChg chg="mod">
+          <ac:chgData name="Connor Boots" userId="2614b75d018d783e" providerId="LiveId" clId="{045973B9-6246-7D49-A1A0-486CAD0F783C}" dt="2022-09-21T16:10:10.125" v="101" actId="20577"/>
+          <ac:spMkLst>
+            <pc:docMk/>
+            <pc:sldMk cId="1434053578" sldId="260"/>
+            <ac:spMk id="2" creationId="{7F94C748-D80A-C414-11EA-00CAA6299998}"/>
+          </ac:spMkLst>
+        </pc:spChg>
+        <pc:spChg chg="mod">
+          <ac:chgData name="Connor Boots" userId="2614b75d018d783e" providerId="LiveId" clId="{045973B9-6246-7D49-A1A0-486CAD0F783C}" dt="2022-09-21T17:44:19.066" v="1645" actId="20577"/>
+          <ac:spMkLst>
+            <pc:docMk/>
+            <pc:sldMk cId="1434053578" sldId="260"/>
+            <ac:spMk id="3" creationId="{49594F8D-E06E-BAA3-8558-A58210398280}"/>
+          </ac:spMkLst>
+        </pc:spChg>
+      </pc:sldChg>
+      <pc:sldChg chg="addSp modSp add mod">
+        <pc:chgData name="Connor Boots" userId="2614b75d018d783e" providerId="LiveId" clId="{045973B9-6246-7D49-A1A0-486CAD0F783C}" dt="2022-09-21T17:28:18.054" v="1411" actId="1076"/>
+        <pc:sldMkLst>
+          <pc:docMk/>
+          <pc:sldMk cId="2202869256" sldId="261"/>
+        </pc:sldMkLst>
+        <pc:spChg chg="mod">
+          <ac:chgData name="Connor Boots" userId="2614b75d018d783e" providerId="LiveId" clId="{045973B9-6246-7D49-A1A0-486CAD0F783C}" dt="2022-09-21T17:28:09.784" v="1407" actId="20577"/>
+          <ac:spMkLst>
+            <pc:docMk/>
+            <pc:sldMk cId="2202869256" sldId="261"/>
+            <ac:spMk id="2" creationId="{7F94C748-D80A-C414-11EA-00CAA6299998}"/>
+          </ac:spMkLst>
+        </pc:spChg>
+        <pc:picChg chg="add mod">
+          <ac:chgData name="Connor Boots" userId="2614b75d018d783e" providerId="LiveId" clId="{045973B9-6246-7D49-A1A0-486CAD0F783C}" dt="2022-09-21T17:28:18.054" v="1411" actId="1076"/>
+          <ac:picMkLst>
+            <pc:docMk/>
+            <pc:sldMk cId="2202869256" sldId="261"/>
+            <ac:picMk id="5" creationId="{F1193613-6399-B149-528E-D5EE6ECBD658}"/>
+          </ac:picMkLst>
+        </pc:picChg>
+      </pc:sldChg>
+      <pc:sldChg chg="del">
+        <pc:chgData name="Connor Boots" userId="2614b75d018d783e" providerId="LiveId" clId="{045973B9-6246-7D49-A1A0-486CAD0F783C}" dt="2022-09-21T15:41:16.541" v="0" actId="2696"/>
+        <pc:sldMkLst>
+          <pc:docMk/>
+          <pc:sldMk cId="2865574034" sldId="261"/>
+        </pc:sldMkLst>
+      </pc:sldChg>
+      <pc:sldChg chg="del">
+        <pc:chgData name="Connor Boots" userId="2614b75d018d783e" providerId="LiveId" clId="{045973B9-6246-7D49-A1A0-486CAD0F783C}" dt="2022-09-21T15:41:16.541" v="0" actId="2696"/>
+        <pc:sldMkLst>
+          <pc:docMk/>
+          <pc:sldMk cId="378190576" sldId="262"/>
+        </pc:sldMkLst>
+      </pc:sldChg>
+      <pc:sldChg chg="addSp delSp modSp add mod setBg">
+        <pc:chgData name="Connor Boots" userId="2614b75d018d783e" providerId="LiveId" clId="{045973B9-6246-7D49-A1A0-486CAD0F783C}" dt="2022-09-21T17:29:27.647" v="1440" actId="26606"/>
+        <pc:sldMkLst>
+          <pc:docMk/>
+          <pc:sldMk cId="2251637042" sldId="262"/>
+        </pc:sldMkLst>
+        <pc:spChg chg="mod">
+          <ac:chgData name="Connor Boots" userId="2614b75d018d783e" providerId="LiveId" clId="{045973B9-6246-7D49-A1A0-486CAD0F783C}" dt="2022-09-21T17:29:27.647" v="1440" actId="26606"/>
+          <ac:spMkLst>
+            <pc:docMk/>
+            <pc:sldMk cId="2251637042" sldId="262"/>
+            <ac:spMk id="2" creationId="{7F94C748-D80A-C414-11EA-00CAA6299998}"/>
+          </ac:spMkLst>
+        </pc:spChg>
+        <pc:spChg chg="mod">
+          <ac:chgData name="Connor Boots" userId="2614b75d018d783e" providerId="LiveId" clId="{045973B9-6246-7D49-A1A0-486CAD0F783C}" dt="2022-09-21T17:29:27.647" v="1440" actId="26606"/>
+          <ac:spMkLst>
+            <pc:docMk/>
+            <pc:sldMk cId="2251637042" sldId="262"/>
+            <ac:spMk id="3" creationId="{49594F8D-E06E-BAA3-8558-A58210398280}"/>
+          </ac:spMkLst>
+        </pc:spChg>
+        <pc:spChg chg="add del">
+          <ac:chgData name="Connor Boots" userId="2614b75d018d783e" providerId="LiveId" clId="{045973B9-6246-7D49-A1A0-486CAD0F783C}" dt="2022-09-21T17:29:27.647" v="1440" actId="26606"/>
+          <ac:spMkLst>
+            <pc:docMk/>
+            <pc:sldMk cId="2251637042" sldId="262"/>
+            <ac:spMk id="12" creationId="{5E39A796-BE83-48B1-B33F-35C4A32AAB57}"/>
+          </ac:spMkLst>
+        </pc:spChg>
+        <pc:spChg chg="add del">
+          <ac:chgData name="Connor Boots" userId="2614b75d018d783e" providerId="LiveId" clId="{045973B9-6246-7D49-A1A0-486CAD0F783C}" dt="2022-09-21T17:29:27.647" v="1440" actId="26606"/>
+          <ac:spMkLst>
+            <pc:docMk/>
+            <pc:sldMk cId="2251637042" sldId="262"/>
+            <ac:spMk id="14" creationId="{72F84B47-E267-4194-8194-831DB7B5547F}"/>
+          </ac:spMkLst>
+        </pc:spChg>
+        <pc:picChg chg="add del mod">
+          <ac:chgData name="Connor Boots" userId="2614b75d018d783e" providerId="LiveId" clId="{045973B9-6246-7D49-A1A0-486CAD0F783C}" dt="2022-09-21T17:28:47.585" v="1433" actId="478"/>
+          <ac:picMkLst>
+            <pc:docMk/>
+            <pc:sldMk cId="2251637042" sldId="262"/>
+            <ac:picMk id="5" creationId="{04942664-81F4-51A0-7171-DA0C87EEE8B8}"/>
+          </ac:picMkLst>
+        </pc:picChg>
+        <pc:picChg chg="add mod">
+          <ac:chgData name="Connor Boots" userId="2614b75d018d783e" providerId="LiveId" clId="{045973B9-6246-7D49-A1A0-486CAD0F783C}" dt="2022-09-21T17:29:27.647" v="1440" actId="26606"/>
+          <ac:picMkLst>
+            <pc:docMk/>
+            <pc:sldMk cId="2251637042" sldId="262"/>
+            <ac:picMk id="7" creationId="{24FB6201-8F7F-C6C5-13AE-786B6669B3D1}"/>
+          </ac:picMkLst>
+        </pc:picChg>
+      </pc:sldChg>
+      <pc:sldChg chg="del">
+        <pc:chgData name="Connor Boots" userId="2614b75d018d783e" providerId="LiveId" clId="{045973B9-6246-7D49-A1A0-486CAD0F783C}" dt="2022-09-21T15:41:16.541" v="0" actId="2696"/>
+        <pc:sldMkLst>
+          <pc:docMk/>
+          <pc:sldMk cId="852956023" sldId="263"/>
+        </pc:sldMkLst>
+      </pc:sldChg>
+      <pc:sldChg chg="addSp delSp modSp add mod">
+        <pc:chgData name="Connor Boots" userId="2614b75d018d783e" providerId="LiveId" clId="{045973B9-6246-7D49-A1A0-486CAD0F783C}" dt="2022-09-21T17:31:48.577" v="1575" actId="20577"/>
+        <pc:sldMkLst>
+          <pc:docMk/>
+          <pc:sldMk cId="2725097096" sldId="263"/>
+        </pc:sldMkLst>
+        <pc:spChg chg="mod">
+          <ac:chgData name="Connor Boots" userId="2614b75d018d783e" providerId="LiveId" clId="{045973B9-6246-7D49-A1A0-486CAD0F783C}" dt="2022-09-21T17:31:48.577" v="1575" actId="20577"/>
+          <ac:spMkLst>
+            <pc:docMk/>
+            <pc:sldMk cId="2725097096" sldId="263"/>
+            <ac:spMk id="2" creationId="{7F94C748-D80A-C414-11EA-00CAA6299998}"/>
+          </ac:spMkLst>
+        </pc:spChg>
+        <pc:spChg chg="add del mod">
+          <ac:chgData name="Connor Boots" userId="2614b75d018d783e" providerId="LiveId" clId="{045973B9-6246-7D49-A1A0-486CAD0F783C}" dt="2022-09-21T17:30:04.753" v="1503"/>
+          <ac:spMkLst>
+            <pc:docMk/>
+            <pc:sldMk cId="2725097096" sldId="263"/>
+            <ac:spMk id="4" creationId="{6A180268-B9C0-67B0-0FE7-0F0826AD764C}"/>
+          </ac:spMkLst>
+        </pc:spChg>
+        <pc:spChg chg="add mod">
+          <ac:chgData name="Connor Boots" userId="2614b75d018d783e" providerId="LiveId" clId="{045973B9-6246-7D49-A1A0-486CAD0F783C}" dt="2022-09-21T17:31:05.467" v="1541" actId="20577"/>
+          <ac:spMkLst>
+            <pc:docMk/>
+            <pc:sldMk cId="2725097096" sldId="263"/>
+            <ac:spMk id="15" creationId="{13AF7653-BC23-6996-B70C-4A69F15DC26D}"/>
+          </ac:spMkLst>
+        </pc:spChg>
+        <pc:spChg chg="add mod">
+          <ac:chgData name="Connor Boots" userId="2614b75d018d783e" providerId="LiveId" clId="{045973B9-6246-7D49-A1A0-486CAD0F783C}" dt="2022-09-21T17:31:32.602" v="1562" actId="20577"/>
+          <ac:spMkLst>
+            <pc:docMk/>
+            <pc:sldMk cId="2725097096" sldId="263"/>
+            <ac:spMk id="16" creationId="{4CAEC9D7-B64E-5064-4367-4FC163993506}"/>
+          </ac:spMkLst>
+        </pc:spChg>
+        <pc:picChg chg="add mod">
+          <ac:chgData name="Connor Boots" userId="2614b75d018d783e" providerId="LiveId" clId="{045973B9-6246-7D49-A1A0-486CAD0F783C}" dt="2022-09-21T17:30:17.968" v="1507" actId="1076"/>
+          <ac:picMkLst>
+            <pc:docMk/>
+            <pc:sldMk cId="2725097096" sldId="263"/>
+            <ac:picMk id="6" creationId="{AB31AE1B-7B0F-9B8A-1F0E-B3EBF902013D}"/>
+          </ac:picMkLst>
+        </pc:picChg>
+        <pc:picChg chg="add del mod">
+          <ac:chgData name="Connor Boots" userId="2614b75d018d783e" providerId="LiveId" clId="{045973B9-6246-7D49-A1A0-486CAD0F783C}" dt="2022-09-21T17:30:38.534" v="1516" actId="478"/>
+          <ac:picMkLst>
+            <pc:docMk/>
+            <pc:sldMk cId="2725097096" sldId="263"/>
+            <ac:picMk id="8" creationId="{7C83B8CC-3C72-3420-5F75-63207FBC9610}"/>
+          </ac:picMkLst>
+        </pc:picChg>
+        <pc:picChg chg="add del mod">
+          <ac:chgData name="Connor Boots" userId="2614b75d018d783e" providerId="LiveId" clId="{045973B9-6246-7D49-A1A0-486CAD0F783C}" dt="2022-09-21T17:30:37.724" v="1515" actId="478"/>
+          <ac:picMkLst>
+            <pc:docMk/>
+            <pc:sldMk cId="2725097096" sldId="263"/>
+            <ac:picMk id="10" creationId="{CDB53550-0D48-7907-1277-27DADC2129BE}"/>
+          </ac:picMkLst>
+        </pc:picChg>
+        <pc:picChg chg="add mod">
+          <ac:chgData name="Connor Boots" userId="2614b75d018d783e" providerId="LiveId" clId="{045973B9-6246-7D49-A1A0-486CAD0F783C}" dt="2022-09-21T17:30:50.641" v="1520" actId="1076"/>
+          <ac:picMkLst>
+            <pc:docMk/>
+            <pc:sldMk cId="2725097096" sldId="263"/>
+            <ac:picMk id="12" creationId="{554DF058-62CE-5090-D083-EAF9A41C64A7}"/>
+          </ac:picMkLst>
+        </pc:picChg>
+        <pc:picChg chg="add mod">
+          <ac:chgData name="Connor Boots" userId="2614b75d018d783e" providerId="LiveId" clId="{045973B9-6246-7D49-A1A0-486CAD0F783C}" dt="2022-09-21T17:30:57.889" v="1524" actId="1076"/>
+          <ac:picMkLst>
+            <pc:docMk/>
+            <pc:sldMk cId="2725097096" sldId="263"/>
+            <ac:picMk id="14" creationId="{4372401C-425C-CE28-B6E5-F005FD98E219}"/>
+          </ac:picMkLst>
+        </pc:picChg>
+      </pc:sldChg>
+      <pc:sldChg chg="addSp delSp modSp add mod ord setBg">
+        <pc:chgData name="Connor Boots" userId="2614b75d018d783e" providerId="LiveId" clId="{045973B9-6246-7D49-A1A0-486CAD0F783C}" dt="2022-09-21T17:27:33.478" v="1386" actId="20578"/>
+        <pc:sldMkLst>
+          <pc:docMk/>
+          <pc:sldMk cId="2837445636" sldId="264"/>
+        </pc:sldMkLst>
+        <pc:spChg chg="mod">
+          <ac:chgData name="Connor Boots" userId="2614b75d018d783e" providerId="LiveId" clId="{045973B9-6246-7D49-A1A0-486CAD0F783C}" dt="2022-09-21T17:27:23.851" v="1385" actId="26606"/>
+          <ac:spMkLst>
+            <pc:docMk/>
+            <pc:sldMk cId="2837445636" sldId="264"/>
+            <ac:spMk id="2" creationId="{7F94C748-D80A-C414-11EA-00CAA6299998}"/>
+          </ac:spMkLst>
+        </pc:spChg>
+        <pc:spChg chg="mod">
+          <ac:chgData name="Connor Boots" userId="2614b75d018d783e" providerId="LiveId" clId="{045973B9-6246-7D49-A1A0-486CAD0F783C}" dt="2022-09-21T17:27:23.851" v="1385" actId="26606"/>
+          <ac:spMkLst>
+            <pc:docMk/>
+            <pc:sldMk cId="2837445636" sldId="264"/>
+            <ac:spMk id="3" creationId="{49594F8D-E06E-BAA3-8558-A58210398280}"/>
+          </ac:spMkLst>
+        </pc:spChg>
+        <pc:spChg chg="add del">
+          <ac:chgData name="Connor Boots" userId="2614b75d018d783e" providerId="LiveId" clId="{045973B9-6246-7D49-A1A0-486CAD0F783C}" dt="2022-09-21T17:27:23.851" v="1385" actId="26606"/>
+          <ac:spMkLst>
+            <pc:docMk/>
+            <pc:sldMk cId="2837445636" sldId="264"/>
+            <ac:spMk id="12" creationId="{385E1BDC-A9B0-4A87-82E3-F3187F69A802}"/>
+          </ac:spMkLst>
+        </pc:spChg>
+        <pc:spChg chg="add del">
+          <ac:chgData name="Connor Boots" userId="2614b75d018d783e" providerId="LiveId" clId="{045973B9-6246-7D49-A1A0-486CAD0F783C}" dt="2022-09-21T17:27:23.851" v="1385" actId="26606"/>
+          <ac:spMkLst>
+            <pc:docMk/>
+            <pc:sldMk cId="2837445636" sldId="264"/>
+            <ac:spMk id="14" creationId="{0990C621-3B8B-4820-8328-D47EF7CE823C}"/>
+          </ac:spMkLst>
+        </pc:spChg>
+        <pc:spChg chg="add del">
+          <ac:chgData name="Connor Boots" userId="2614b75d018d783e" providerId="LiveId" clId="{045973B9-6246-7D49-A1A0-486CAD0F783C}" dt="2022-09-21T17:27:23.851" v="1385" actId="26606"/>
+          <ac:spMkLst>
+            <pc:docMk/>
+            <pc:sldMk cId="2837445636" sldId="264"/>
+            <ac:spMk id="16" creationId="{C1A2385B-1D2A-4E17-84FA-6CB7F0AAE473}"/>
+          </ac:spMkLst>
+        </pc:spChg>
+        <pc:spChg chg="add del">
+          <ac:chgData name="Connor Boots" userId="2614b75d018d783e" providerId="LiveId" clId="{045973B9-6246-7D49-A1A0-486CAD0F783C}" dt="2022-09-21T17:27:23.851" v="1385" actId="26606"/>
+          <ac:spMkLst>
+            <pc:docMk/>
+            <pc:sldMk cId="2837445636" sldId="264"/>
+            <ac:spMk id="18" creationId="{5E791F2F-79DB-4CC0-9FA1-001E3E91E8B7}"/>
+          </ac:spMkLst>
+        </pc:spChg>
+        <pc:picChg chg="add mod ord">
+          <ac:chgData name="Connor Boots" userId="2614b75d018d783e" providerId="LiveId" clId="{045973B9-6246-7D49-A1A0-486CAD0F783C}" dt="2022-09-21T17:27:23.851" v="1385" actId="26606"/>
+          <ac:picMkLst>
+            <pc:docMk/>
+            <pc:sldMk cId="2837445636" sldId="264"/>
+            <ac:picMk id="5" creationId="{F3ABFEFE-C95D-73A9-E3A8-0E4D63F3E3CE}"/>
+          </ac:picMkLst>
+        </pc:picChg>
+        <pc:picChg chg="add mod">
+          <ac:chgData name="Connor Boots" userId="2614b75d018d783e" providerId="LiveId" clId="{045973B9-6246-7D49-A1A0-486CAD0F783C}" dt="2022-09-21T17:27:23.851" v="1385" actId="26606"/>
+          <ac:picMkLst>
+            <pc:docMk/>
+            <pc:sldMk cId="2837445636" sldId="264"/>
+            <ac:picMk id="7" creationId="{01798A34-E070-CE86-4795-CBD2EDEB3367}"/>
+          </ac:picMkLst>
+        </pc:picChg>
+      </pc:sldChg>
+      <pc:sldChg chg="del">
+        <pc:chgData name="Connor Boots" userId="2614b75d018d783e" providerId="LiveId" clId="{045973B9-6246-7D49-A1A0-486CAD0F783C}" dt="2022-09-21T15:41:16.541" v="0" actId="2696"/>
+        <pc:sldMkLst>
+          <pc:docMk/>
+          <pc:sldMk cId="4174150248" sldId="264"/>
+        </pc:sldMkLst>
+      </pc:sldChg>
+      <pc:sldChg chg="del">
+        <pc:chgData name="Connor Boots" userId="2614b75d018d783e" providerId="LiveId" clId="{045973B9-6246-7D49-A1A0-486CAD0F783C}" dt="2022-09-21T15:41:16.541" v="0" actId="2696"/>
+        <pc:sldMkLst>
+          <pc:docMk/>
+          <pc:sldMk cId="2678944510" sldId="265"/>
+        </pc:sldMkLst>
+      </pc:sldChg>
+      <pc:sldChg chg="addSp delSp modSp add mod setBg">
+        <pc:chgData name="Connor Boots" userId="2614b75d018d783e" providerId="LiveId" clId="{045973B9-6246-7D49-A1A0-486CAD0F783C}" dt="2022-09-21T17:33:44.191" v="1615" actId="14100"/>
+        <pc:sldMkLst>
+          <pc:docMk/>
+          <pc:sldMk cId="4005996779" sldId="265"/>
+        </pc:sldMkLst>
+        <pc:spChg chg="mod">
+          <ac:chgData name="Connor Boots" userId="2614b75d018d783e" providerId="LiveId" clId="{045973B9-6246-7D49-A1A0-486CAD0F783C}" dt="2022-09-21T17:33:18.162" v="1610" actId="26606"/>
+          <ac:spMkLst>
+            <pc:docMk/>
+            <pc:sldMk cId="4005996779" sldId="265"/>
+            <ac:spMk id="2" creationId="{7F94C748-D80A-C414-11EA-00CAA6299998}"/>
+          </ac:spMkLst>
+        </pc:spChg>
+        <pc:spChg chg="mod">
+          <ac:chgData name="Connor Boots" userId="2614b75d018d783e" providerId="LiveId" clId="{045973B9-6246-7D49-A1A0-486CAD0F783C}" dt="2022-09-21T17:33:18.162" v="1610" actId="26606"/>
+          <ac:spMkLst>
+            <pc:docMk/>
+            <pc:sldMk cId="4005996779" sldId="265"/>
+            <ac:spMk id="3" creationId="{49594F8D-E06E-BAA3-8558-A58210398280}"/>
+          </ac:spMkLst>
+        </pc:spChg>
+        <pc:spChg chg="add del mod">
+          <ac:chgData name="Connor Boots" userId="2614b75d018d783e" providerId="LiveId" clId="{045973B9-6246-7D49-A1A0-486CAD0F783C}" dt="2022-09-21T17:33:17.483" v="1608" actId="767"/>
+          <ac:spMkLst>
+            <pc:docMk/>
+            <pc:sldMk cId="4005996779" sldId="265"/>
+            <ac:spMk id="9" creationId="{FDE58B4F-2A48-E356-05D4-20FF673B189B}"/>
+          </ac:spMkLst>
+        </pc:spChg>
+        <pc:spChg chg="add del">
+          <ac:chgData name="Connor Boots" userId="2614b75d018d783e" providerId="LiveId" clId="{045973B9-6246-7D49-A1A0-486CAD0F783C}" dt="2022-09-21T17:32:48.877" v="1596" actId="26606"/>
+          <ac:spMkLst>
+            <pc:docMk/>
+            <pc:sldMk cId="4005996779" sldId="265"/>
+            <ac:spMk id="10" creationId="{1B10F861-B8F1-49C7-BD58-EAB20CEE7F93}"/>
+          </ac:spMkLst>
+        </pc:spChg>
+        <pc:spChg chg="add del">
+          <ac:chgData name="Connor Boots" userId="2614b75d018d783e" providerId="LiveId" clId="{045973B9-6246-7D49-A1A0-486CAD0F783C}" dt="2022-09-21T17:32:48.877" v="1596" actId="26606"/>
+          <ac:spMkLst>
+            <pc:docMk/>
+            <pc:sldMk cId="4005996779" sldId="265"/>
+            <ac:spMk id="13" creationId="{5AAE9118-0436-4488-AC4A-C14DF6A7B6B1}"/>
+          </ac:spMkLst>
+        </pc:spChg>
+        <pc:spChg chg="del mod">
+          <ac:chgData name="Connor Boots" userId="2614b75d018d783e" providerId="LiveId" clId="{045973B9-6246-7D49-A1A0-486CAD0F783C}" dt="2022-09-21T17:32:06.690" v="1584" actId="478"/>
+          <ac:spMkLst>
+            <pc:docMk/>
+            <pc:sldMk cId="4005996779" sldId="265"/>
+            <ac:spMk id="15" creationId="{13AF7653-BC23-6996-B70C-4A69F15DC26D}"/>
+          </ac:spMkLst>
+        </pc:spChg>
+        <pc:spChg chg="del">
+          <ac:chgData name="Connor Boots" userId="2614b75d018d783e" providerId="LiveId" clId="{045973B9-6246-7D49-A1A0-486CAD0F783C}" dt="2022-09-21T17:32:09.030" v="1585" actId="478"/>
+          <ac:spMkLst>
+            <pc:docMk/>
+            <pc:sldMk cId="4005996779" sldId="265"/>
+            <ac:spMk id="16" creationId="{4CAEC9D7-B64E-5064-4367-4FC163993506}"/>
+          </ac:spMkLst>
+        </pc:spChg>
+        <pc:spChg chg="add del">
+          <ac:chgData name="Connor Boots" userId="2614b75d018d783e" providerId="LiveId" clId="{045973B9-6246-7D49-A1A0-486CAD0F783C}" dt="2022-09-21T17:32:48.877" v="1596" actId="26606"/>
+          <ac:spMkLst>
+            <pc:docMk/>
+            <pc:sldMk cId="4005996779" sldId="265"/>
+            <ac:spMk id="17" creationId="{61F6E425-22AB-4DA2-8FAC-58ADB58EF6C3}"/>
+          </ac:spMkLst>
+        </pc:spChg>
+        <pc:spChg chg="add del">
+          <ac:chgData name="Connor Boots" userId="2614b75d018d783e" providerId="LiveId" clId="{045973B9-6246-7D49-A1A0-486CAD0F783C}" dt="2022-09-21T17:33:18.162" v="1610" actId="26606"/>
+          <ac:spMkLst>
+            <pc:docMk/>
+            <pc:sldMk cId="4005996779" sldId="265"/>
+            <ac:spMk id="19" creationId="{69D47016-023F-44BD-981C-50E7A10A6609}"/>
+          </ac:spMkLst>
+        </pc:spChg>
+        <pc:spChg chg="add del">
+          <ac:chgData name="Connor Boots" userId="2614b75d018d783e" providerId="LiveId" clId="{045973B9-6246-7D49-A1A0-486CAD0F783C}" dt="2022-09-21T17:33:18.162" v="1610" actId="26606"/>
+          <ac:spMkLst>
+            <pc:docMk/>
+            <pc:sldMk cId="4005996779" sldId="265"/>
+            <ac:spMk id="20" creationId="{6D8B37B0-0682-433E-BC8D-498C04ABD9A7}"/>
+          </ac:spMkLst>
+        </pc:spChg>
+        <pc:picChg chg="add mod ord">
+          <ac:chgData name="Connor Boots" userId="2614b75d018d783e" providerId="LiveId" clId="{045973B9-6246-7D49-A1A0-486CAD0F783C}" dt="2022-09-21T17:33:18.162" v="1610" actId="26606"/>
+          <ac:picMkLst>
+            <pc:docMk/>
+            <pc:sldMk cId="4005996779" sldId="265"/>
+            <ac:picMk id="5" creationId="{63E6175C-7E62-5138-F76E-3F1347D51A38}"/>
+          </ac:picMkLst>
+        </pc:picChg>
+        <pc:picChg chg="del">
+          <ac:chgData name="Connor Boots" userId="2614b75d018d783e" providerId="LiveId" clId="{045973B9-6246-7D49-A1A0-486CAD0F783C}" dt="2022-09-21T17:32:10.155" v="1586" actId="478"/>
+          <ac:picMkLst>
+            <pc:docMk/>
+            <pc:sldMk cId="4005996779" sldId="265"/>
+            <ac:picMk id="6" creationId="{AB31AE1B-7B0F-9B8A-1F0E-B3EBF902013D}"/>
+          </ac:picMkLst>
+        </pc:picChg>
+        <pc:picChg chg="add mod">
+          <ac:chgData name="Connor Boots" userId="2614b75d018d783e" providerId="LiveId" clId="{045973B9-6246-7D49-A1A0-486CAD0F783C}" dt="2022-09-21T17:33:44.191" v="1615" actId="14100"/>
+          <ac:picMkLst>
+            <pc:docMk/>
+            <pc:sldMk cId="4005996779" sldId="265"/>
+            <ac:picMk id="8" creationId="{07BC0155-6036-C674-6010-2E19BD090727}"/>
+          </ac:picMkLst>
+        </pc:picChg>
+        <pc:picChg chg="del">
+          <ac:chgData name="Connor Boots" userId="2614b75d018d783e" providerId="LiveId" clId="{045973B9-6246-7D49-A1A0-486CAD0F783C}" dt="2022-09-21T17:32:03.675" v="1581" actId="478"/>
+          <ac:picMkLst>
+            <pc:docMk/>
+            <pc:sldMk cId="4005996779" sldId="265"/>
+            <ac:picMk id="12" creationId="{554DF058-62CE-5090-D083-EAF9A41C64A7}"/>
+          </ac:picMkLst>
+        </pc:picChg>
+        <pc:picChg chg="del">
+          <ac:chgData name="Connor Boots" userId="2614b75d018d783e" providerId="LiveId" clId="{045973B9-6246-7D49-A1A0-486CAD0F783C}" dt="2022-09-21T17:32:04.356" v="1582" actId="478"/>
+          <ac:picMkLst>
+            <pc:docMk/>
+            <pc:sldMk cId="4005996779" sldId="265"/>
+            <ac:picMk id="14" creationId="{4372401C-425C-CE28-B6E5-F005FD98E219}"/>
+          </ac:picMkLst>
+        </pc:picChg>
+      </pc:sldChg>
+      <pc:sldChg chg="addSp delSp modSp add mod">
+        <pc:chgData name="Connor Boots" userId="2614b75d018d783e" providerId="LiveId" clId="{045973B9-6246-7D49-A1A0-486CAD0F783C}" dt="2022-09-21T17:34:19.337" v="1624" actId="1076"/>
+        <pc:sldMkLst>
+          <pc:docMk/>
+          <pc:sldMk cId="4174490694" sldId="266"/>
+        </pc:sldMkLst>
+        <pc:spChg chg="mod">
+          <ac:chgData name="Connor Boots" userId="2614b75d018d783e" providerId="LiveId" clId="{045973B9-6246-7D49-A1A0-486CAD0F783C}" dt="2022-09-21T17:34:11.476" v="1620" actId="20577"/>
+          <ac:spMkLst>
+            <pc:docMk/>
+            <pc:sldMk cId="4174490694" sldId="266"/>
+            <ac:spMk id="2" creationId="{7F94C748-D80A-C414-11EA-00CAA6299998}"/>
+          </ac:spMkLst>
+        </pc:spChg>
+        <pc:picChg chg="del">
+          <ac:chgData name="Connor Boots" userId="2614b75d018d783e" providerId="LiveId" clId="{045973B9-6246-7D49-A1A0-486CAD0F783C}" dt="2022-09-21T17:34:09.339" v="1618" actId="478"/>
+          <ac:picMkLst>
+            <pc:docMk/>
+            <pc:sldMk cId="4174490694" sldId="266"/>
+            <ac:picMk id="5" creationId="{63E6175C-7E62-5138-F76E-3F1347D51A38}"/>
+          </ac:picMkLst>
+        </pc:picChg>
+        <pc:picChg chg="add mod">
+          <ac:chgData name="Connor Boots" userId="2614b75d018d783e" providerId="LiveId" clId="{045973B9-6246-7D49-A1A0-486CAD0F783C}" dt="2022-09-21T17:34:19.337" v="1624" actId="1076"/>
+          <ac:picMkLst>
+            <pc:docMk/>
+            <pc:sldMk cId="4174490694" sldId="266"/>
+            <ac:picMk id="6" creationId="{1DB0E519-3B2D-D3B7-7DFE-662BC993DF92}"/>
+          </ac:picMkLst>
+        </pc:picChg>
+        <pc:picChg chg="del">
+          <ac:chgData name="Connor Boots" userId="2614b75d018d783e" providerId="LiveId" clId="{045973B9-6246-7D49-A1A0-486CAD0F783C}" dt="2022-09-21T17:34:08.597" v="1617" actId="478"/>
+          <ac:picMkLst>
+            <pc:docMk/>
+            <pc:sldMk cId="4174490694" sldId="266"/>
+            <ac:picMk id="8" creationId="{07BC0155-6036-C674-6010-2E19BD090727}"/>
+          </ac:picMkLst>
+        </pc:picChg>
+      </pc:sldChg>
+    </pc:docChg>
+  </pc:docChgLst>
+  <pc:docChgLst>
     <pc:chgData name="Connor Boots" userId="2614b75d018d783e" providerId="LiveId" clId="{3BEF7B20-C253-B74C-ADDE-1F5AED2CAB27}"/>
     <pc:docChg chg="addSld delSld modSld">
       <pc:chgData name="Connor Boots" userId="2614b75d018d783e" providerId="LiveId" clId="{3BEF7B20-C253-B74C-ADDE-1F5AED2CAB27}" dt="2022-09-21T17:47:46.949" v="2"/>
@@ -207,612 +813,6 @@
           <pc:docMk/>
           <pc:sldMk cId="4174490694" sldId="266"/>
         </pc:sldMkLst>
-      </pc:sldChg>
-    </pc:docChg>
-  </pc:docChgLst>
-  <pc:docChgLst>
-    <pc:chgData name="Connor Boots" userId="2614b75d018d783e" providerId="LiveId" clId="{045973B9-6246-7D49-A1A0-486CAD0F783C}"/>
-    <pc:docChg chg="undo redo custSel addSld delSld modSld sldOrd">
-      <pc:chgData name="Connor Boots" userId="2614b75d018d783e" providerId="LiveId" clId="{045973B9-6246-7D49-A1A0-486CAD0F783C}" dt="2022-09-21T17:44:19.066" v="1645" actId="20577"/>
-      <pc:docMkLst>
-        <pc:docMk/>
-      </pc:docMkLst>
-      <pc:sldChg chg="delSp modSp mod">
-        <pc:chgData name="Connor Boots" userId="2614b75d018d783e" providerId="LiveId" clId="{045973B9-6246-7D49-A1A0-486CAD0F783C}" dt="2022-09-21T15:45:36.506" v="56"/>
-        <pc:sldMkLst>
-          <pc:docMk/>
-          <pc:sldMk cId="1859551611" sldId="256"/>
-        </pc:sldMkLst>
-        <pc:spChg chg="mod">
-          <ac:chgData name="Connor Boots" userId="2614b75d018d783e" providerId="LiveId" clId="{045973B9-6246-7D49-A1A0-486CAD0F783C}" dt="2022-09-21T15:45:36.506" v="56"/>
-          <ac:spMkLst>
-            <pc:docMk/>
-            <pc:sldMk cId="1859551611" sldId="256"/>
-            <ac:spMk id="2" creationId="{F90E410B-C944-BCEB-47CF-25C0269D7250}"/>
-          </ac:spMkLst>
-        </pc:spChg>
-        <pc:spChg chg="del mod">
-          <ac:chgData name="Connor Boots" userId="2614b75d018d783e" providerId="LiveId" clId="{045973B9-6246-7D49-A1A0-486CAD0F783C}" dt="2022-09-21T15:45:13.708" v="54" actId="478"/>
-          <ac:spMkLst>
-            <pc:docMk/>
-            <pc:sldMk cId="1859551611" sldId="256"/>
-            <ac:spMk id="3" creationId="{6A022613-9B5C-1BE9-2C35-5195A363601E}"/>
-          </ac:spMkLst>
-        </pc:spChg>
-      </pc:sldChg>
-      <pc:sldChg chg="addSp delSp modSp mod">
-        <pc:chgData name="Connor Boots" userId="2614b75d018d783e" providerId="LiveId" clId="{045973B9-6246-7D49-A1A0-486CAD0F783C}" dt="2022-09-21T17:25:19.994" v="1350" actId="20577"/>
-        <pc:sldMkLst>
-          <pc:docMk/>
-          <pc:sldMk cId="1357481033" sldId="257"/>
-        </pc:sldMkLst>
-        <pc:spChg chg="mod">
-          <ac:chgData name="Connor Boots" userId="2614b75d018d783e" providerId="LiveId" clId="{045973B9-6246-7D49-A1A0-486CAD0F783C}" dt="2022-09-21T16:03:02.538" v="65" actId="20577"/>
-          <ac:spMkLst>
-            <pc:docMk/>
-            <pc:sldMk cId="1357481033" sldId="257"/>
-            <ac:spMk id="2" creationId="{7F94C748-D80A-C414-11EA-00CAA6299998}"/>
-          </ac:spMkLst>
-        </pc:spChg>
-        <pc:spChg chg="mod">
-          <ac:chgData name="Connor Boots" userId="2614b75d018d783e" providerId="LiveId" clId="{045973B9-6246-7D49-A1A0-486CAD0F783C}" dt="2022-09-21T17:25:19.994" v="1350" actId="20577"/>
-          <ac:spMkLst>
-            <pc:docMk/>
-            <pc:sldMk cId="1357481033" sldId="257"/>
-            <ac:spMk id="3" creationId="{49594F8D-E06E-BAA3-8558-A58210398280}"/>
-          </ac:spMkLst>
-        </pc:spChg>
-        <pc:spChg chg="add del mod">
-          <ac:chgData name="Connor Boots" userId="2614b75d018d783e" providerId="LiveId" clId="{045973B9-6246-7D49-A1A0-486CAD0F783C}" dt="2022-09-21T17:17:32.896" v="1189"/>
-          <ac:spMkLst>
-            <pc:docMk/>
-            <pc:sldMk cId="1357481033" sldId="257"/>
-            <ac:spMk id="4" creationId="{F679898A-C283-AB00-D317-53638650E067}"/>
-          </ac:spMkLst>
-        </pc:spChg>
-        <pc:picChg chg="del">
-          <ac:chgData name="Connor Boots" userId="2614b75d018d783e" providerId="LiveId" clId="{045973B9-6246-7D49-A1A0-486CAD0F783C}" dt="2022-09-21T15:44:30.544" v="1" actId="478"/>
-          <ac:picMkLst>
-            <pc:docMk/>
-            <pc:sldMk cId="1357481033" sldId="257"/>
-            <ac:picMk id="5" creationId="{E09D86B6-FCCE-8D13-D5D0-987ABE4834DC}"/>
-          </ac:picMkLst>
-        </pc:picChg>
-        <pc:picChg chg="del">
-          <ac:chgData name="Connor Boots" userId="2614b75d018d783e" providerId="LiveId" clId="{045973B9-6246-7D49-A1A0-486CAD0F783C}" dt="2022-09-21T15:44:31.768" v="2" actId="478"/>
-          <ac:picMkLst>
-            <pc:docMk/>
-            <pc:sldMk cId="1357481033" sldId="257"/>
-            <ac:picMk id="6" creationId="{41A953EA-C867-4D1A-CF0A-8A640095C07D}"/>
-          </ac:picMkLst>
-        </pc:picChg>
-      </pc:sldChg>
-      <pc:sldChg chg="addSp modSp add mod ord">
-        <pc:chgData name="Connor Boots" userId="2614b75d018d783e" providerId="LiveId" clId="{045973B9-6246-7D49-A1A0-486CAD0F783C}" dt="2022-09-21T17:27:58.053" v="1400" actId="1076"/>
-        <pc:sldMkLst>
-          <pc:docMk/>
-          <pc:sldMk cId="687885192" sldId="258"/>
-        </pc:sldMkLst>
-        <pc:spChg chg="mod">
-          <ac:chgData name="Connor Boots" userId="2614b75d018d783e" providerId="LiveId" clId="{045973B9-6246-7D49-A1A0-486CAD0F783C}" dt="2022-09-21T17:27:48.049" v="1396" actId="20577"/>
-          <ac:spMkLst>
-            <pc:docMk/>
-            <pc:sldMk cId="687885192" sldId="258"/>
-            <ac:spMk id="2" creationId="{7F94C748-D80A-C414-11EA-00CAA6299998}"/>
-          </ac:spMkLst>
-        </pc:spChg>
-        <pc:spChg chg="mod">
-          <ac:chgData name="Connor Boots" userId="2614b75d018d783e" providerId="LiveId" clId="{045973B9-6246-7D49-A1A0-486CAD0F783C}" dt="2022-09-21T16:09:57.324" v="90" actId="20577"/>
-          <ac:spMkLst>
-            <pc:docMk/>
-            <pc:sldMk cId="687885192" sldId="258"/>
-            <ac:spMk id="3" creationId="{49594F8D-E06E-BAA3-8558-A58210398280}"/>
-          </ac:spMkLst>
-        </pc:spChg>
-        <pc:picChg chg="add mod">
-          <ac:chgData name="Connor Boots" userId="2614b75d018d783e" providerId="LiveId" clId="{045973B9-6246-7D49-A1A0-486CAD0F783C}" dt="2022-09-21T17:27:58.053" v="1400" actId="1076"/>
-          <ac:picMkLst>
-            <pc:docMk/>
-            <pc:sldMk cId="687885192" sldId="258"/>
-            <ac:picMk id="5" creationId="{25B8B9E9-01A6-9C95-2472-679B259B0412}"/>
-          </ac:picMkLst>
-        </pc:picChg>
-      </pc:sldChg>
-      <pc:sldChg chg="del">
-        <pc:chgData name="Connor Boots" userId="2614b75d018d783e" providerId="LiveId" clId="{045973B9-6246-7D49-A1A0-486CAD0F783C}" dt="2022-09-21T15:41:16.541" v="0" actId="2696"/>
-        <pc:sldMkLst>
-          <pc:docMk/>
-          <pc:sldMk cId="4074462836" sldId="258"/>
-        </pc:sldMkLst>
-      </pc:sldChg>
-      <pc:sldChg chg="modSp add del mod ord">
-        <pc:chgData name="Connor Boots" userId="2614b75d018d783e" providerId="LiveId" clId="{045973B9-6246-7D49-A1A0-486CAD0F783C}" dt="2022-09-21T17:17:42.616" v="1191"/>
-        <pc:sldMkLst>
-          <pc:docMk/>
-          <pc:sldMk cId="232907742" sldId="259"/>
-        </pc:sldMkLst>
-        <pc:spChg chg="mod">
-          <ac:chgData name="Connor Boots" userId="2614b75d018d783e" providerId="LiveId" clId="{045973B9-6246-7D49-A1A0-486CAD0F783C}" dt="2022-09-21T16:43:41.907" v="707" actId="20577"/>
-          <ac:spMkLst>
-            <pc:docMk/>
-            <pc:sldMk cId="232907742" sldId="259"/>
-            <ac:spMk id="2" creationId="{7F94C748-D80A-C414-11EA-00CAA6299998}"/>
-          </ac:spMkLst>
-        </pc:spChg>
-        <pc:spChg chg="mod">
-          <ac:chgData name="Connor Boots" userId="2614b75d018d783e" providerId="LiveId" clId="{045973B9-6246-7D49-A1A0-486CAD0F783C}" dt="2022-09-21T16:54:21.363" v="957" actId="20577"/>
-          <ac:spMkLst>
-            <pc:docMk/>
-            <pc:sldMk cId="232907742" sldId="259"/>
-            <ac:spMk id="3" creationId="{49594F8D-E06E-BAA3-8558-A58210398280}"/>
-          </ac:spMkLst>
-        </pc:spChg>
-      </pc:sldChg>
-      <pc:sldChg chg="del">
-        <pc:chgData name="Connor Boots" userId="2614b75d018d783e" providerId="LiveId" clId="{045973B9-6246-7D49-A1A0-486CAD0F783C}" dt="2022-09-21T15:41:16.541" v="0" actId="2696"/>
-        <pc:sldMkLst>
-          <pc:docMk/>
-          <pc:sldMk cId="2316273918" sldId="259"/>
-        </pc:sldMkLst>
-      </pc:sldChg>
-      <pc:sldChg chg="del">
-        <pc:chgData name="Connor Boots" userId="2614b75d018d783e" providerId="LiveId" clId="{045973B9-6246-7D49-A1A0-486CAD0F783C}" dt="2022-09-21T15:41:16.541" v="0" actId="2696"/>
-        <pc:sldMkLst>
-          <pc:docMk/>
-          <pc:sldMk cId="37755849" sldId="260"/>
-        </pc:sldMkLst>
-      </pc:sldChg>
-      <pc:sldChg chg="modSp add del mod">
-        <pc:chgData name="Connor Boots" userId="2614b75d018d783e" providerId="LiveId" clId="{045973B9-6246-7D49-A1A0-486CAD0F783C}" dt="2022-09-21T17:44:19.066" v="1645" actId="20577"/>
-        <pc:sldMkLst>
-          <pc:docMk/>
-          <pc:sldMk cId="1434053578" sldId="260"/>
-        </pc:sldMkLst>
-        <pc:spChg chg="mod">
-          <ac:chgData name="Connor Boots" userId="2614b75d018d783e" providerId="LiveId" clId="{045973B9-6246-7D49-A1A0-486CAD0F783C}" dt="2022-09-21T16:10:10.125" v="101" actId="20577"/>
-          <ac:spMkLst>
-            <pc:docMk/>
-            <pc:sldMk cId="1434053578" sldId="260"/>
-            <ac:spMk id="2" creationId="{7F94C748-D80A-C414-11EA-00CAA6299998}"/>
-          </ac:spMkLst>
-        </pc:spChg>
-        <pc:spChg chg="mod">
-          <ac:chgData name="Connor Boots" userId="2614b75d018d783e" providerId="LiveId" clId="{045973B9-6246-7D49-A1A0-486CAD0F783C}" dt="2022-09-21T17:44:19.066" v="1645" actId="20577"/>
-          <ac:spMkLst>
-            <pc:docMk/>
-            <pc:sldMk cId="1434053578" sldId="260"/>
-            <ac:spMk id="3" creationId="{49594F8D-E06E-BAA3-8558-A58210398280}"/>
-          </ac:spMkLst>
-        </pc:spChg>
-      </pc:sldChg>
-      <pc:sldChg chg="addSp modSp add mod">
-        <pc:chgData name="Connor Boots" userId="2614b75d018d783e" providerId="LiveId" clId="{045973B9-6246-7D49-A1A0-486CAD0F783C}" dt="2022-09-21T17:28:18.054" v="1411" actId="1076"/>
-        <pc:sldMkLst>
-          <pc:docMk/>
-          <pc:sldMk cId="2202869256" sldId="261"/>
-        </pc:sldMkLst>
-        <pc:spChg chg="mod">
-          <ac:chgData name="Connor Boots" userId="2614b75d018d783e" providerId="LiveId" clId="{045973B9-6246-7D49-A1A0-486CAD0F783C}" dt="2022-09-21T17:28:09.784" v="1407" actId="20577"/>
-          <ac:spMkLst>
-            <pc:docMk/>
-            <pc:sldMk cId="2202869256" sldId="261"/>
-            <ac:spMk id="2" creationId="{7F94C748-D80A-C414-11EA-00CAA6299998}"/>
-          </ac:spMkLst>
-        </pc:spChg>
-        <pc:picChg chg="add mod">
-          <ac:chgData name="Connor Boots" userId="2614b75d018d783e" providerId="LiveId" clId="{045973B9-6246-7D49-A1A0-486CAD0F783C}" dt="2022-09-21T17:28:18.054" v="1411" actId="1076"/>
-          <ac:picMkLst>
-            <pc:docMk/>
-            <pc:sldMk cId="2202869256" sldId="261"/>
-            <ac:picMk id="5" creationId="{F1193613-6399-B149-528E-D5EE6ECBD658}"/>
-          </ac:picMkLst>
-        </pc:picChg>
-      </pc:sldChg>
-      <pc:sldChg chg="del">
-        <pc:chgData name="Connor Boots" userId="2614b75d018d783e" providerId="LiveId" clId="{045973B9-6246-7D49-A1A0-486CAD0F783C}" dt="2022-09-21T15:41:16.541" v="0" actId="2696"/>
-        <pc:sldMkLst>
-          <pc:docMk/>
-          <pc:sldMk cId="2865574034" sldId="261"/>
-        </pc:sldMkLst>
-      </pc:sldChg>
-      <pc:sldChg chg="del">
-        <pc:chgData name="Connor Boots" userId="2614b75d018d783e" providerId="LiveId" clId="{045973B9-6246-7D49-A1A0-486CAD0F783C}" dt="2022-09-21T15:41:16.541" v="0" actId="2696"/>
-        <pc:sldMkLst>
-          <pc:docMk/>
-          <pc:sldMk cId="378190576" sldId="262"/>
-        </pc:sldMkLst>
-      </pc:sldChg>
-      <pc:sldChg chg="addSp delSp modSp add mod setBg">
-        <pc:chgData name="Connor Boots" userId="2614b75d018d783e" providerId="LiveId" clId="{045973B9-6246-7D49-A1A0-486CAD0F783C}" dt="2022-09-21T17:29:27.647" v="1440" actId="26606"/>
-        <pc:sldMkLst>
-          <pc:docMk/>
-          <pc:sldMk cId="2251637042" sldId="262"/>
-        </pc:sldMkLst>
-        <pc:spChg chg="mod">
-          <ac:chgData name="Connor Boots" userId="2614b75d018d783e" providerId="LiveId" clId="{045973B9-6246-7D49-A1A0-486CAD0F783C}" dt="2022-09-21T17:29:27.647" v="1440" actId="26606"/>
-          <ac:spMkLst>
-            <pc:docMk/>
-            <pc:sldMk cId="2251637042" sldId="262"/>
-            <ac:spMk id="2" creationId="{7F94C748-D80A-C414-11EA-00CAA6299998}"/>
-          </ac:spMkLst>
-        </pc:spChg>
-        <pc:spChg chg="mod">
-          <ac:chgData name="Connor Boots" userId="2614b75d018d783e" providerId="LiveId" clId="{045973B9-6246-7D49-A1A0-486CAD0F783C}" dt="2022-09-21T17:29:27.647" v="1440" actId="26606"/>
-          <ac:spMkLst>
-            <pc:docMk/>
-            <pc:sldMk cId="2251637042" sldId="262"/>
-            <ac:spMk id="3" creationId="{49594F8D-E06E-BAA3-8558-A58210398280}"/>
-          </ac:spMkLst>
-        </pc:spChg>
-        <pc:spChg chg="add del">
-          <ac:chgData name="Connor Boots" userId="2614b75d018d783e" providerId="LiveId" clId="{045973B9-6246-7D49-A1A0-486CAD0F783C}" dt="2022-09-21T17:29:27.647" v="1440" actId="26606"/>
-          <ac:spMkLst>
-            <pc:docMk/>
-            <pc:sldMk cId="2251637042" sldId="262"/>
-            <ac:spMk id="12" creationId="{5E39A796-BE83-48B1-B33F-35C4A32AAB57}"/>
-          </ac:spMkLst>
-        </pc:spChg>
-        <pc:spChg chg="add del">
-          <ac:chgData name="Connor Boots" userId="2614b75d018d783e" providerId="LiveId" clId="{045973B9-6246-7D49-A1A0-486CAD0F783C}" dt="2022-09-21T17:29:27.647" v="1440" actId="26606"/>
-          <ac:spMkLst>
-            <pc:docMk/>
-            <pc:sldMk cId="2251637042" sldId="262"/>
-            <ac:spMk id="14" creationId="{72F84B47-E267-4194-8194-831DB7B5547F}"/>
-          </ac:spMkLst>
-        </pc:spChg>
-        <pc:picChg chg="add del mod">
-          <ac:chgData name="Connor Boots" userId="2614b75d018d783e" providerId="LiveId" clId="{045973B9-6246-7D49-A1A0-486CAD0F783C}" dt="2022-09-21T17:28:47.585" v="1433" actId="478"/>
-          <ac:picMkLst>
-            <pc:docMk/>
-            <pc:sldMk cId="2251637042" sldId="262"/>
-            <ac:picMk id="5" creationId="{04942664-81F4-51A0-7171-DA0C87EEE8B8}"/>
-          </ac:picMkLst>
-        </pc:picChg>
-        <pc:picChg chg="add mod">
-          <ac:chgData name="Connor Boots" userId="2614b75d018d783e" providerId="LiveId" clId="{045973B9-6246-7D49-A1A0-486CAD0F783C}" dt="2022-09-21T17:29:27.647" v="1440" actId="26606"/>
-          <ac:picMkLst>
-            <pc:docMk/>
-            <pc:sldMk cId="2251637042" sldId="262"/>
-            <ac:picMk id="7" creationId="{24FB6201-8F7F-C6C5-13AE-786B6669B3D1}"/>
-          </ac:picMkLst>
-        </pc:picChg>
-      </pc:sldChg>
-      <pc:sldChg chg="del">
-        <pc:chgData name="Connor Boots" userId="2614b75d018d783e" providerId="LiveId" clId="{045973B9-6246-7D49-A1A0-486CAD0F783C}" dt="2022-09-21T15:41:16.541" v="0" actId="2696"/>
-        <pc:sldMkLst>
-          <pc:docMk/>
-          <pc:sldMk cId="852956023" sldId="263"/>
-        </pc:sldMkLst>
-      </pc:sldChg>
-      <pc:sldChg chg="addSp delSp modSp add mod">
-        <pc:chgData name="Connor Boots" userId="2614b75d018d783e" providerId="LiveId" clId="{045973B9-6246-7D49-A1A0-486CAD0F783C}" dt="2022-09-21T17:31:48.577" v="1575" actId="20577"/>
-        <pc:sldMkLst>
-          <pc:docMk/>
-          <pc:sldMk cId="2725097096" sldId="263"/>
-        </pc:sldMkLst>
-        <pc:spChg chg="mod">
-          <ac:chgData name="Connor Boots" userId="2614b75d018d783e" providerId="LiveId" clId="{045973B9-6246-7D49-A1A0-486CAD0F783C}" dt="2022-09-21T17:31:48.577" v="1575" actId="20577"/>
-          <ac:spMkLst>
-            <pc:docMk/>
-            <pc:sldMk cId="2725097096" sldId="263"/>
-            <ac:spMk id="2" creationId="{7F94C748-D80A-C414-11EA-00CAA6299998}"/>
-          </ac:spMkLst>
-        </pc:spChg>
-        <pc:spChg chg="add del mod">
-          <ac:chgData name="Connor Boots" userId="2614b75d018d783e" providerId="LiveId" clId="{045973B9-6246-7D49-A1A0-486CAD0F783C}" dt="2022-09-21T17:30:04.753" v="1503"/>
-          <ac:spMkLst>
-            <pc:docMk/>
-            <pc:sldMk cId="2725097096" sldId="263"/>
-            <ac:spMk id="4" creationId="{6A180268-B9C0-67B0-0FE7-0F0826AD764C}"/>
-          </ac:spMkLst>
-        </pc:spChg>
-        <pc:spChg chg="add mod">
-          <ac:chgData name="Connor Boots" userId="2614b75d018d783e" providerId="LiveId" clId="{045973B9-6246-7D49-A1A0-486CAD0F783C}" dt="2022-09-21T17:31:05.467" v="1541" actId="20577"/>
-          <ac:spMkLst>
-            <pc:docMk/>
-            <pc:sldMk cId="2725097096" sldId="263"/>
-            <ac:spMk id="15" creationId="{13AF7653-BC23-6996-B70C-4A69F15DC26D}"/>
-          </ac:spMkLst>
-        </pc:spChg>
-        <pc:spChg chg="add mod">
-          <ac:chgData name="Connor Boots" userId="2614b75d018d783e" providerId="LiveId" clId="{045973B9-6246-7D49-A1A0-486CAD0F783C}" dt="2022-09-21T17:31:32.602" v="1562" actId="20577"/>
-          <ac:spMkLst>
-            <pc:docMk/>
-            <pc:sldMk cId="2725097096" sldId="263"/>
-            <ac:spMk id="16" creationId="{4CAEC9D7-B64E-5064-4367-4FC163993506}"/>
-          </ac:spMkLst>
-        </pc:spChg>
-        <pc:picChg chg="add mod">
-          <ac:chgData name="Connor Boots" userId="2614b75d018d783e" providerId="LiveId" clId="{045973B9-6246-7D49-A1A0-486CAD0F783C}" dt="2022-09-21T17:30:17.968" v="1507" actId="1076"/>
-          <ac:picMkLst>
-            <pc:docMk/>
-            <pc:sldMk cId="2725097096" sldId="263"/>
-            <ac:picMk id="6" creationId="{AB31AE1B-7B0F-9B8A-1F0E-B3EBF902013D}"/>
-          </ac:picMkLst>
-        </pc:picChg>
-        <pc:picChg chg="add del mod">
-          <ac:chgData name="Connor Boots" userId="2614b75d018d783e" providerId="LiveId" clId="{045973B9-6246-7D49-A1A0-486CAD0F783C}" dt="2022-09-21T17:30:38.534" v="1516" actId="478"/>
-          <ac:picMkLst>
-            <pc:docMk/>
-            <pc:sldMk cId="2725097096" sldId="263"/>
-            <ac:picMk id="8" creationId="{7C83B8CC-3C72-3420-5F75-63207FBC9610}"/>
-          </ac:picMkLst>
-        </pc:picChg>
-        <pc:picChg chg="add del mod">
-          <ac:chgData name="Connor Boots" userId="2614b75d018d783e" providerId="LiveId" clId="{045973B9-6246-7D49-A1A0-486CAD0F783C}" dt="2022-09-21T17:30:37.724" v="1515" actId="478"/>
-          <ac:picMkLst>
-            <pc:docMk/>
-            <pc:sldMk cId="2725097096" sldId="263"/>
-            <ac:picMk id="10" creationId="{CDB53550-0D48-7907-1277-27DADC2129BE}"/>
-          </ac:picMkLst>
-        </pc:picChg>
-        <pc:picChg chg="add mod">
-          <ac:chgData name="Connor Boots" userId="2614b75d018d783e" providerId="LiveId" clId="{045973B9-6246-7D49-A1A0-486CAD0F783C}" dt="2022-09-21T17:30:50.641" v="1520" actId="1076"/>
-          <ac:picMkLst>
-            <pc:docMk/>
-            <pc:sldMk cId="2725097096" sldId="263"/>
-            <ac:picMk id="12" creationId="{554DF058-62CE-5090-D083-EAF9A41C64A7}"/>
-          </ac:picMkLst>
-        </pc:picChg>
-        <pc:picChg chg="add mod">
-          <ac:chgData name="Connor Boots" userId="2614b75d018d783e" providerId="LiveId" clId="{045973B9-6246-7D49-A1A0-486CAD0F783C}" dt="2022-09-21T17:30:57.889" v="1524" actId="1076"/>
-          <ac:picMkLst>
-            <pc:docMk/>
-            <pc:sldMk cId="2725097096" sldId="263"/>
-            <ac:picMk id="14" creationId="{4372401C-425C-CE28-B6E5-F005FD98E219}"/>
-          </ac:picMkLst>
-        </pc:picChg>
-      </pc:sldChg>
-      <pc:sldChg chg="addSp delSp modSp add mod ord setBg">
-        <pc:chgData name="Connor Boots" userId="2614b75d018d783e" providerId="LiveId" clId="{045973B9-6246-7D49-A1A0-486CAD0F783C}" dt="2022-09-21T17:27:33.478" v="1386" actId="20578"/>
-        <pc:sldMkLst>
-          <pc:docMk/>
-          <pc:sldMk cId="2837445636" sldId="264"/>
-        </pc:sldMkLst>
-        <pc:spChg chg="mod">
-          <ac:chgData name="Connor Boots" userId="2614b75d018d783e" providerId="LiveId" clId="{045973B9-6246-7D49-A1A0-486CAD0F783C}" dt="2022-09-21T17:27:23.851" v="1385" actId="26606"/>
-          <ac:spMkLst>
-            <pc:docMk/>
-            <pc:sldMk cId="2837445636" sldId="264"/>
-            <ac:spMk id="2" creationId="{7F94C748-D80A-C414-11EA-00CAA6299998}"/>
-          </ac:spMkLst>
-        </pc:spChg>
-        <pc:spChg chg="mod">
-          <ac:chgData name="Connor Boots" userId="2614b75d018d783e" providerId="LiveId" clId="{045973B9-6246-7D49-A1A0-486CAD0F783C}" dt="2022-09-21T17:27:23.851" v="1385" actId="26606"/>
-          <ac:spMkLst>
-            <pc:docMk/>
-            <pc:sldMk cId="2837445636" sldId="264"/>
-            <ac:spMk id="3" creationId="{49594F8D-E06E-BAA3-8558-A58210398280}"/>
-          </ac:spMkLst>
-        </pc:spChg>
-        <pc:spChg chg="add del">
-          <ac:chgData name="Connor Boots" userId="2614b75d018d783e" providerId="LiveId" clId="{045973B9-6246-7D49-A1A0-486CAD0F783C}" dt="2022-09-21T17:27:23.851" v="1385" actId="26606"/>
-          <ac:spMkLst>
-            <pc:docMk/>
-            <pc:sldMk cId="2837445636" sldId="264"/>
-            <ac:spMk id="12" creationId="{385E1BDC-A9B0-4A87-82E3-F3187F69A802}"/>
-          </ac:spMkLst>
-        </pc:spChg>
-        <pc:spChg chg="add del">
-          <ac:chgData name="Connor Boots" userId="2614b75d018d783e" providerId="LiveId" clId="{045973B9-6246-7D49-A1A0-486CAD0F783C}" dt="2022-09-21T17:27:23.851" v="1385" actId="26606"/>
-          <ac:spMkLst>
-            <pc:docMk/>
-            <pc:sldMk cId="2837445636" sldId="264"/>
-            <ac:spMk id="14" creationId="{0990C621-3B8B-4820-8328-D47EF7CE823C}"/>
-          </ac:spMkLst>
-        </pc:spChg>
-        <pc:spChg chg="add del">
-          <ac:chgData name="Connor Boots" userId="2614b75d018d783e" providerId="LiveId" clId="{045973B9-6246-7D49-A1A0-486CAD0F783C}" dt="2022-09-21T17:27:23.851" v="1385" actId="26606"/>
-          <ac:spMkLst>
-            <pc:docMk/>
-            <pc:sldMk cId="2837445636" sldId="264"/>
-            <ac:spMk id="16" creationId="{C1A2385B-1D2A-4E17-84FA-6CB7F0AAE473}"/>
-          </ac:spMkLst>
-        </pc:spChg>
-        <pc:spChg chg="add del">
-          <ac:chgData name="Connor Boots" userId="2614b75d018d783e" providerId="LiveId" clId="{045973B9-6246-7D49-A1A0-486CAD0F783C}" dt="2022-09-21T17:27:23.851" v="1385" actId="26606"/>
-          <ac:spMkLst>
-            <pc:docMk/>
-            <pc:sldMk cId="2837445636" sldId="264"/>
-            <ac:spMk id="18" creationId="{5E791F2F-79DB-4CC0-9FA1-001E3E91E8B7}"/>
-          </ac:spMkLst>
-        </pc:spChg>
-        <pc:picChg chg="add mod ord">
-          <ac:chgData name="Connor Boots" userId="2614b75d018d783e" providerId="LiveId" clId="{045973B9-6246-7D49-A1A0-486CAD0F783C}" dt="2022-09-21T17:27:23.851" v="1385" actId="26606"/>
-          <ac:picMkLst>
-            <pc:docMk/>
-            <pc:sldMk cId="2837445636" sldId="264"/>
-            <ac:picMk id="5" creationId="{F3ABFEFE-C95D-73A9-E3A8-0E4D63F3E3CE}"/>
-          </ac:picMkLst>
-        </pc:picChg>
-        <pc:picChg chg="add mod">
-          <ac:chgData name="Connor Boots" userId="2614b75d018d783e" providerId="LiveId" clId="{045973B9-6246-7D49-A1A0-486CAD0F783C}" dt="2022-09-21T17:27:23.851" v="1385" actId="26606"/>
-          <ac:picMkLst>
-            <pc:docMk/>
-            <pc:sldMk cId="2837445636" sldId="264"/>
-            <ac:picMk id="7" creationId="{01798A34-E070-CE86-4795-CBD2EDEB3367}"/>
-          </ac:picMkLst>
-        </pc:picChg>
-      </pc:sldChg>
-      <pc:sldChg chg="del">
-        <pc:chgData name="Connor Boots" userId="2614b75d018d783e" providerId="LiveId" clId="{045973B9-6246-7D49-A1A0-486CAD0F783C}" dt="2022-09-21T15:41:16.541" v="0" actId="2696"/>
-        <pc:sldMkLst>
-          <pc:docMk/>
-          <pc:sldMk cId="4174150248" sldId="264"/>
-        </pc:sldMkLst>
-      </pc:sldChg>
-      <pc:sldChg chg="del">
-        <pc:chgData name="Connor Boots" userId="2614b75d018d783e" providerId="LiveId" clId="{045973B9-6246-7D49-A1A0-486CAD0F783C}" dt="2022-09-21T15:41:16.541" v="0" actId="2696"/>
-        <pc:sldMkLst>
-          <pc:docMk/>
-          <pc:sldMk cId="2678944510" sldId="265"/>
-        </pc:sldMkLst>
-      </pc:sldChg>
-      <pc:sldChg chg="addSp delSp modSp add mod setBg">
-        <pc:chgData name="Connor Boots" userId="2614b75d018d783e" providerId="LiveId" clId="{045973B9-6246-7D49-A1A0-486CAD0F783C}" dt="2022-09-21T17:33:44.191" v="1615" actId="14100"/>
-        <pc:sldMkLst>
-          <pc:docMk/>
-          <pc:sldMk cId="4005996779" sldId="265"/>
-        </pc:sldMkLst>
-        <pc:spChg chg="mod">
-          <ac:chgData name="Connor Boots" userId="2614b75d018d783e" providerId="LiveId" clId="{045973B9-6246-7D49-A1A0-486CAD0F783C}" dt="2022-09-21T17:33:18.162" v="1610" actId="26606"/>
-          <ac:spMkLst>
-            <pc:docMk/>
-            <pc:sldMk cId="4005996779" sldId="265"/>
-            <ac:spMk id="2" creationId="{7F94C748-D80A-C414-11EA-00CAA6299998}"/>
-          </ac:spMkLst>
-        </pc:spChg>
-        <pc:spChg chg="mod">
-          <ac:chgData name="Connor Boots" userId="2614b75d018d783e" providerId="LiveId" clId="{045973B9-6246-7D49-A1A0-486CAD0F783C}" dt="2022-09-21T17:33:18.162" v="1610" actId="26606"/>
-          <ac:spMkLst>
-            <pc:docMk/>
-            <pc:sldMk cId="4005996779" sldId="265"/>
-            <ac:spMk id="3" creationId="{49594F8D-E06E-BAA3-8558-A58210398280}"/>
-          </ac:spMkLst>
-        </pc:spChg>
-        <pc:spChg chg="add del mod">
-          <ac:chgData name="Connor Boots" userId="2614b75d018d783e" providerId="LiveId" clId="{045973B9-6246-7D49-A1A0-486CAD0F783C}" dt="2022-09-21T17:33:17.483" v="1608" actId="767"/>
-          <ac:spMkLst>
-            <pc:docMk/>
-            <pc:sldMk cId="4005996779" sldId="265"/>
-            <ac:spMk id="9" creationId="{FDE58B4F-2A48-E356-05D4-20FF673B189B}"/>
-          </ac:spMkLst>
-        </pc:spChg>
-        <pc:spChg chg="add del">
-          <ac:chgData name="Connor Boots" userId="2614b75d018d783e" providerId="LiveId" clId="{045973B9-6246-7D49-A1A0-486CAD0F783C}" dt="2022-09-21T17:32:48.877" v="1596" actId="26606"/>
-          <ac:spMkLst>
-            <pc:docMk/>
-            <pc:sldMk cId="4005996779" sldId="265"/>
-            <ac:spMk id="10" creationId="{1B10F861-B8F1-49C7-BD58-EAB20CEE7F93}"/>
-          </ac:spMkLst>
-        </pc:spChg>
-        <pc:spChg chg="add del">
-          <ac:chgData name="Connor Boots" userId="2614b75d018d783e" providerId="LiveId" clId="{045973B9-6246-7D49-A1A0-486CAD0F783C}" dt="2022-09-21T17:32:48.877" v="1596" actId="26606"/>
-          <ac:spMkLst>
-            <pc:docMk/>
-            <pc:sldMk cId="4005996779" sldId="265"/>
-            <ac:spMk id="13" creationId="{5AAE9118-0436-4488-AC4A-C14DF6A7B6B1}"/>
-          </ac:spMkLst>
-        </pc:spChg>
-        <pc:spChg chg="del mod">
-          <ac:chgData name="Connor Boots" userId="2614b75d018d783e" providerId="LiveId" clId="{045973B9-6246-7D49-A1A0-486CAD0F783C}" dt="2022-09-21T17:32:06.690" v="1584" actId="478"/>
-          <ac:spMkLst>
-            <pc:docMk/>
-            <pc:sldMk cId="4005996779" sldId="265"/>
-            <ac:spMk id="15" creationId="{13AF7653-BC23-6996-B70C-4A69F15DC26D}"/>
-          </ac:spMkLst>
-        </pc:spChg>
-        <pc:spChg chg="del">
-          <ac:chgData name="Connor Boots" userId="2614b75d018d783e" providerId="LiveId" clId="{045973B9-6246-7D49-A1A0-486CAD0F783C}" dt="2022-09-21T17:32:09.030" v="1585" actId="478"/>
-          <ac:spMkLst>
-            <pc:docMk/>
-            <pc:sldMk cId="4005996779" sldId="265"/>
-            <ac:spMk id="16" creationId="{4CAEC9D7-B64E-5064-4367-4FC163993506}"/>
-          </ac:spMkLst>
-        </pc:spChg>
-        <pc:spChg chg="add del">
-          <ac:chgData name="Connor Boots" userId="2614b75d018d783e" providerId="LiveId" clId="{045973B9-6246-7D49-A1A0-486CAD0F783C}" dt="2022-09-21T17:32:48.877" v="1596" actId="26606"/>
-          <ac:spMkLst>
-            <pc:docMk/>
-            <pc:sldMk cId="4005996779" sldId="265"/>
-            <ac:spMk id="17" creationId="{61F6E425-22AB-4DA2-8FAC-58ADB58EF6C3}"/>
-          </ac:spMkLst>
-        </pc:spChg>
-        <pc:spChg chg="add del">
-          <ac:chgData name="Connor Boots" userId="2614b75d018d783e" providerId="LiveId" clId="{045973B9-6246-7D49-A1A0-486CAD0F783C}" dt="2022-09-21T17:33:18.162" v="1610" actId="26606"/>
-          <ac:spMkLst>
-            <pc:docMk/>
-            <pc:sldMk cId="4005996779" sldId="265"/>
-            <ac:spMk id="19" creationId="{69D47016-023F-44BD-981C-50E7A10A6609}"/>
-          </ac:spMkLst>
-        </pc:spChg>
-        <pc:spChg chg="add del">
-          <ac:chgData name="Connor Boots" userId="2614b75d018d783e" providerId="LiveId" clId="{045973B9-6246-7D49-A1A0-486CAD0F783C}" dt="2022-09-21T17:33:18.162" v="1610" actId="26606"/>
-          <ac:spMkLst>
-            <pc:docMk/>
-            <pc:sldMk cId="4005996779" sldId="265"/>
-            <ac:spMk id="20" creationId="{6D8B37B0-0682-433E-BC8D-498C04ABD9A7}"/>
-          </ac:spMkLst>
-        </pc:spChg>
-        <pc:picChg chg="add mod ord">
-          <ac:chgData name="Connor Boots" userId="2614b75d018d783e" providerId="LiveId" clId="{045973B9-6246-7D49-A1A0-486CAD0F783C}" dt="2022-09-21T17:33:18.162" v="1610" actId="26606"/>
-          <ac:picMkLst>
-            <pc:docMk/>
-            <pc:sldMk cId="4005996779" sldId="265"/>
-            <ac:picMk id="5" creationId="{63E6175C-7E62-5138-F76E-3F1347D51A38}"/>
-          </ac:picMkLst>
-        </pc:picChg>
-        <pc:picChg chg="del">
-          <ac:chgData name="Connor Boots" userId="2614b75d018d783e" providerId="LiveId" clId="{045973B9-6246-7D49-A1A0-486CAD0F783C}" dt="2022-09-21T17:32:10.155" v="1586" actId="478"/>
-          <ac:picMkLst>
-            <pc:docMk/>
-            <pc:sldMk cId="4005996779" sldId="265"/>
-            <ac:picMk id="6" creationId="{AB31AE1B-7B0F-9B8A-1F0E-B3EBF902013D}"/>
-          </ac:picMkLst>
-        </pc:picChg>
-        <pc:picChg chg="add mod">
-          <ac:chgData name="Connor Boots" userId="2614b75d018d783e" providerId="LiveId" clId="{045973B9-6246-7D49-A1A0-486CAD0F783C}" dt="2022-09-21T17:33:44.191" v="1615" actId="14100"/>
-          <ac:picMkLst>
-            <pc:docMk/>
-            <pc:sldMk cId="4005996779" sldId="265"/>
-            <ac:picMk id="8" creationId="{07BC0155-6036-C674-6010-2E19BD090727}"/>
-          </ac:picMkLst>
-        </pc:picChg>
-        <pc:picChg chg="del">
-          <ac:chgData name="Connor Boots" userId="2614b75d018d783e" providerId="LiveId" clId="{045973B9-6246-7D49-A1A0-486CAD0F783C}" dt="2022-09-21T17:32:03.675" v="1581" actId="478"/>
-          <ac:picMkLst>
-            <pc:docMk/>
-            <pc:sldMk cId="4005996779" sldId="265"/>
-            <ac:picMk id="12" creationId="{554DF058-62CE-5090-D083-EAF9A41C64A7}"/>
-          </ac:picMkLst>
-        </pc:picChg>
-        <pc:picChg chg="del">
-          <ac:chgData name="Connor Boots" userId="2614b75d018d783e" providerId="LiveId" clId="{045973B9-6246-7D49-A1A0-486CAD0F783C}" dt="2022-09-21T17:32:04.356" v="1582" actId="478"/>
-          <ac:picMkLst>
-            <pc:docMk/>
-            <pc:sldMk cId="4005996779" sldId="265"/>
-            <ac:picMk id="14" creationId="{4372401C-425C-CE28-B6E5-F005FD98E219}"/>
-          </ac:picMkLst>
-        </pc:picChg>
-      </pc:sldChg>
-      <pc:sldChg chg="addSp delSp modSp add mod">
-        <pc:chgData name="Connor Boots" userId="2614b75d018d783e" providerId="LiveId" clId="{045973B9-6246-7D49-A1A0-486CAD0F783C}" dt="2022-09-21T17:34:19.337" v="1624" actId="1076"/>
-        <pc:sldMkLst>
-          <pc:docMk/>
-          <pc:sldMk cId="4174490694" sldId="266"/>
-        </pc:sldMkLst>
-        <pc:spChg chg="mod">
-          <ac:chgData name="Connor Boots" userId="2614b75d018d783e" providerId="LiveId" clId="{045973B9-6246-7D49-A1A0-486CAD0F783C}" dt="2022-09-21T17:34:11.476" v="1620" actId="20577"/>
-          <ac:spMkLst>
-            <pc:docMk/>
-            <pc:sldMk cId="4174490694" sldId="266"/>
-            <ac:spMk id="2" creationId="{7F94C748-D80A-C414-11EA-00CAA6299998}"/>
-          </ac:spMkLst>
-        </pc:spChg>
-        <pc:picChg chg="del">
-          <ac:chgData name="Connor Boots" userId="2614b75d018d783e" providerId="LiveId" clId="{045973B9-6246-7D49-A1A0-486CAD0F783C}" dt="2022-09-21T17:34:09.339" v="1618" actId="478"/>
-          <ac:picMkLst>
-            <pc:docMk/>
-            <pc:sldMk cId="4174490694" sldId="266"/>
-            <ac:picMk id="5" creationId="{63E6175C-7E62-5138-F76E-3F1347D51A38}"/>
-          </ac:picMkLst>
-        </pc:picChg>
-        <pc:picChg chg="add mod">
-          <ac:chgData name="Connor Boots" userId="2614b75d018d783e" providerId="LiveId" clId="{045973B9-6246-7D49-A1A0-486CAD0F783C}" dt="2022-09-21T17:34:19.337" v="1624" actId="1076"/>
-          <ac:picMkLst>
-            <pc:docMk/>
-            <pc:sldMk cId="4174490694" sldId="266"/>
-            <ac:picMk id="6" creationId="{1DB0E519-3B2D-D3B7-7DFE-662BC993DF92}"/>
-          </ac:picMkLst>
-        </pc:picChg>
-        <pc:picChg chg="del">
-          <ac:chgData name="Connor Boots" userId="2614b75d018d783e" providerId="LiveId" clId="{045973B9-6246-7D49-A1A0-486CAD0F783C}" dt="2022-09-21T17:34:08.597" v="1617" actId="478"/>
-          <ac:picMkLst>
-            <pc:docMk/>
-            <pc:sldMk cId="4174490694" sldId="266"/>
-            <ac:picMk id="8" creationId="{07BC0155-6036-C674-6010-2E19BD090727}"/>
-          </ac:picMkLst>
-        </pc:picChg>
       </pc:sldChg>
     </pc:docChg>
   </pc:docChgLst>
@@ -4089,7 +4089,7 @@
         </p:spPr>
         <p:txBody>
           <a:bodyPr>
-            <a:normAutofit fontScale="85000" lnSpcReduction="20000"/>
+            <a:normAutofit fontScale="77500" lnSpcReduction="20000"/>
           </a:bodyPr>
           <a:lstStyle/>
           <a:p>
@@ -4103,7 +4103,15 @@
             </a:r>
             <a:r>
               <a:rPr kumimoji="1" lang="en-US" altLang="zh-CN" dirty="0"/>
-              <a:t>, the analyzer noticed a ton of ITM put buying on Ford.</a:t>
+              <a:t>, the analyzer noticed a ton of in </a:t>
+            </a:r>
+            <a:r>
+              <a:rPr kumimoji="1" lang="en-US" altLang="zh-CN"/>
+              <a:t>the money (ITM) </a:t>
+            </a:r>
+            <a:r>
+              <a:rPr kumimoji="1" lang="en-US" altLang="zh-CN" dirty="0"/>
+              <a:t>put buying on Ford.</a:t>
             </a:r>
           </a:p>
           <a:p>
@@ -4123,14 +4131,14 @@
               <a:t>:</a:t>
             </a:r>
             <a:endParaRPr kumimoji="1" lang="en-US" altLang="zh-CN" dirty="0">
-              <a:hlinkClick r:id=""/>
+              <a:hlinkClick r:id="" action="ppaction://noaction"/>
             </a:endParaRPr>
           </a:p>
           <a:p>
             <a:pPr lvl="1"/>
             <a:r>
               <a:rPr kumimoji="1" lang="en-US" altLang="zh-CN" dirty="0">
-                <a:hlinkClick r:id=""/>
+                <a:hlinkClick r:id="" action="ppaction://noaction"/>
               </a:rPr>
               <a:t>https://www.cnbc.com/2022/09/20/ford-stock-on-pace-for-worst-day-in-more-than-11-years.html</a:t>
             </a:r>
